--- a/shootingsPresentation.pptx
+++ b/shootingsPresentation.pptx
@@ -124,6 +124,11 @@
       </a:defRPr>
     </a:lvl9pPr>
   </p:defaultTextStyle>
+  <p:extLst>
+    <p:ext uri="{EFAFB233-063F-42B5-8137-9DF3F51BA10A}">
+      <p15:sldGuideLst xmlns:p15="http://schemas.microsoft.com/office/powerpoint/2012/main"/>
+    </p:ext>
+  </p:extLst>
 </p:presentation>
 </file>
 
@@ -173,7 +178,7 @@
           </a:lstStyle>
           <a:p>
             <a:r>
-              <a:rPr lang="en-US" smtClean="0"/>
+              <a:rPr lang="en-US"/>
               <a:t>Click to edit Master title style</a:t>
             </a:r>
             <a:endParaRPr lang="en-US" dirty="0"/>
@@ -294,7 +299,7 @@
           </a:lstStyle>
           <a:p>
             <a:r>
-              <a:rPr lang="en-US" smtClean="0"/>
+              <a:rPr lang="en-US"/>
               <a:t>Click to edit Master subtitle style</a:t>
             </a:r>
             <a:endParaRPr lang="en-US" dirty="0"/>
@@ -319,7 +324,7 @@
             <a:fld id="{B61BEF0D-F0BB-DE4B-95CE-6DB70DBA9567}" type="datetimeFigureOut">
               <a:rPr lang="en-US" smtClean="0"/>
               <a:pPr/>
-              <a:t>10/30/2021</a:t>
+              <a:t>11/5/2021</a:t>
             </a:fld>
             <a:endParaRPr lang="en-US" dirty="0"/>
           </a:p>
@@ -589,7 +594,7 @@
           <a:lstStyle/>
           <a:p>
             <a:r>
-              <a:rPr lang="en-US" smtClean="0"/>
+              <a:rPr lang="en-US"/>
               <a:t>Click to edit Master title style</a:t>
             </a:r>
             <a:endParaRPr lang="en-US" dirty="0"/>
@@ -676,7 +681,7 @@
           </a:lstStyle>
           <a:p>
             <a:r>
-              <a:rPr lang="en-US" smtClean="0"/>
+              <a:rPr lang="en-US"/>
               <a:t>Click icon to add picture</a:t>
             </a:r>
             <a:endParaRPr lang="en-US" dirty="0"/>
@@ -733,7 +738,7 @@
           <a:p>
             <a:pPr lvl="0"/>
             <a:r>
-              <a:rPr lang="en-US" smtClean="0"/>
+              <a:rPr lang="en-US"/>
               <a:t>Click to edit Master text styles</a:t>
             </a:r>
           </a:p>
@@ -757,7 +762,7 @@
             <a:fld id="{B61BEF0D-F0BB-DE4B-95CE-6DB70DBA9567}" type="datetimeFigureOut">
               <a:rPr lang="en-US" smtClean="0"/>
               <a:pPr/>
-              <a:t>10/30/2021</a:t>
+              <a:t>11/5/2021</a:t>
             </a:fld>
             <a:endParaRPr lang="en-US" dirty="0"/>
           </a:p>
@@ -863,7 +868,7 @@
           </a:lstStyle>
           <a:p>
             <a:r>
-              <a:rPr lang="en-US" smtClean="0"/>
+              <a:rPr lang="en-US"/>
               <a:t>Click to edit Master title style</a:t>
             </a:r>
             <a:endParaRPr lang="en-US" dirty="0"/>
@@ -985,7 +990,7 @@
           <a:p>
             <a:pPr lvl="0"/>
             <a:r>
-              <a:rPr lang="en-US" smtClean="0"/>
+              <a:rPr lang="en-US"/>
               <a:t>Click to edit Master text styles</a:t>
             </a:r>
           </a:p>
@@ -1009,7 +1014,7 @@
             <a:fld id="{B61BEF0D-F0BB-DE4B-95CE-6DB70DBA9567}" type="datetimeFigureOut">
               <a:rPr lang="en-US" smtClean="0"/>
               <a:pPr/>
-              <a:t>10/30/2021</a:t>
+              <a:t>11/5/2021</a:t>
             </a:fld>
             <a:endParaRPr lang="en-US" dirty="0"/>
           </a:p>
@@ -1119,7 +1124,7 @@
           </a:lstStyle>
           <a:p>
             <a:r>
-              <a:rPr lang="en-US" smtClean="0"/>
+              <a:rPr lang="en-US"/>
               <a:t>Click to edit Master title style</a:t>
             </a:r>
             <a:endParaRPr lang="en-US" dirty="0"/>
@@ -1174,7 +1179,7 @@
           <a:p>
             <a:pPr lvl="0"/>
             <a:r>
-              <a:rPr lang="en-US" smtClean="0"/>
+              <a:rPr lang="en-US"/>
               <a:t>Click to edit Master text styles</a:t>
             </a:r>
           </a:p>
@@ -1295,7 +1300,7 @@
           <a:p>
             <a:pPr lvl="0"/>
             <a:r>
-              <a:rPr lang="en-US" smtClean="0"/>
+              <a:rPr lang="en-US"/>
               <a:t>Click to edit Master text styles</a:t>
             </a:r>
           </a:p>
@@ -1319,7 +1324,7 @@
             <a:fld id="{B61BEF0D-F0BB-DE4B-95CE-6DB70DBA9567}" type="datetimeFigureOut">
               <a:rPr lang="en-US" smtClean="0"/>
               <a:pPr/>
-              <a:t>10/30/2021</a:t>
+              <a:t>11/5/2021</a:t>
             </a:fld>
             <a:endParaRPr lang="en-US" dirty="0"/>
           </a:p>
@@ -1493,7 +1498,7 @@
           </a:lstStyle>
           <a:p>
             <a:r>
-              <a:rPr lang="en-US" smtClean="0"/>
+              <a:rPr lang="en-US"/>
               <a:t>Click to edit Master title style</a:t>
             </a:r>
             <a:endParaRPr lang="en-US" dirty="0"/>
@@ -1615,7 +1620,7 @@
           <a:p>
             <a:pPr lvl="0"/>
             <a:r>
-              <a:rPr lang="en-US" smtClean="0"/>
+              <a:rPr lang="en-US"/>
               <a:t>Click to edit Master text styles</a:t>
             </a:r>
           </a:p>
@@ -1639,7 +1644,7 @@
             <a:fld id="{B61BEF0D-F0BB-DE4B-95CE-6DB70DBA9567}" type="datetimeFigureOut">
               <a:rPr lang="en-US" smtClean="0"/>
               <a:pPr/>
-              <a:t>10/30/2021</a:t>
+              <a:t>11/5/2021</a:t>
             </a:fld>
             <a:endParaRPr lang="en-US" dirty="0"/>
           </a:p>
@@ -1749,7 +1754,7 @@
           </a:lstStyle>
           <a:p>
             <a:r>
-              <a:rPr lang="en-US" smtClean="0"/>
+              <a:rPr lang="en-US"/>
               <a:t>Click to edit Master title style</a:t>
             </a:r>
             <a:endParaRPr lang="en-US" dirty="0"/>
@@ -1798,7 +1803,7 @@
               <a:buNone/>
             </a:pPr>
             <a:r>
-              <a:rPr lang="en-US" smtClean="0"/>
+              <a:rPr lang="en-US"/>
               <a:t>Click to edit Master text styles</a:t>
             </a:r>
           </a:p>
@@ -1919,7 +1924,7 @@
           <a:p>
             <a:pPr lvl="0"/>
             <a:r>
-              <a:rPr lang="en-US" smtClean="0"/>
+              <a:rPr lang="en-US"/>
               <a:t>Click to edit Master text styles</a:t>
             </a:r>
           </a:p>
@@ -1943,7 +1948,7 @@
             <a:fld id="{B61BEF0D-F0BB-DE4B-95CE-6DB70DBA9567}" type="datetimeFigureOut">
               <a:rPr lang="en-US" smtClean="0"/>
               <a:pPr/>
-              <a:t>10/30/2021</a:t>
+              <a:t>11/5/2021</a:t>
             </a:fld>
             <a:endParaRPr lang="en-US" dirty="0"/>
           </a:p>
@@ -2118,7 +2123,7 @@
           <a:p>
             <a:pPr marL="0" lvl="0"/>
             <a:r>
-              <a:rPr lang="en-US" smtClean="0"/>
+              <a:rPr lang="en-US"/>
               <a:t>Click to edit Master title style</a:t>
             </a:r>
             <a:endParaRPr lang="en-US" dirty="0"/>
@@ -2167,7 +2172,7 @@
               <a:buNone/>
             </a:pPr>
             <a:r>
-              <a:rPr lang="en-US" smtClean="0"/>
+              <a:rPr lang="en-US"/>
               <a:t>Click to edit Master text styles</a:t>
             </a:r>
           </a:p>
@@ -2288,7 +2293,7 @@
           <a:p>
             <a:pPr lvl="0"/>
             <a:r>
-              <a:rPr lang="en-US" smtClean="0"/>
+              <a:rPr lang="en-US"/>
               <a:t>Click to edit Master text styles</a:t>
             </a:r>
           </a:p>
@@ -2312,7 +2317,7 @@
             <a:fld id="{B61BEF0D-F0BB-DE4B-95CE-6DB70DBA9567}" type="datetimeFigureOut">
               <a:rPr lang="en-US" smtClean="0"/>
               <a:pPr/>
-              <a:t>10/30/2021</a:t>
+              <a:t>11/5/2021</a:t>
             </a:fld>
             <a:endParaRPr lang="en-US" dirty="0"/>
           </a:p>
@@ -2411,7 +2416,7 @@
           </a:lstStyle>
           <a:p>
             <a:r>
-              <a:rPr lang="en-US" smtClean="0"/>
+              <a:rPr lang="en-US"/>
               <a:t>Click to edit Master title style</a:t>
             </a:r>
             <a:endParaRPr lang="en-US" dirty="0"/>
@@ -2435,35 +2440,35 @@
           <a:p>
             <a:pPr lvl="0"/>
             <a:r>
-              <a:rPr lang="en-US" smtClean="0"/>
+              <a:rPr lang="en-US"/>
               <a:t>Click to edit Master text styles</a:t>
             </a:r>
           </a:p>
           <a:p>
             <a:pPr lvl="1"/>
             <a:r>
-              <a:rPr lang="en-US" smtClean="0"/>
+              <a:rPr lang="en-US"/>
               <a:t>Second level</a:t>
             </a:r>
           </a:p>
           <a:p>
             <a:pPr lvl="2"/>
             <a:r>
-              <a:rPr lang="en-US" smtClean="0"/>
+              <a:rPr lang="en-US"/>
               <a:t>Third level</a:t>
             </a:r>
           </a:p>
           <a:p>
             <a:pPr lvl="3"/>
             <a:r>
-              <a:rPr lang="en-US" smtClean="0"/>
+              <a:rPr lang="en-US"/>
               <a:t>Fourth level</a:t>
             </a:r>
           </a:p>
           <a:p>
             <a:pPr lvl="4"/>
             <a:r>
-              <a:rPr lang="en-US" smtClean="0"/>
+              <a:rPr lang="en-US"/>
               <a:t>Fifth level</a:t>
             </a:r>
             <a:endParaRPr lang="en-US" dirty="0"/>
@@ -2488,7 +2493,7 @@
             <a:fld id="{B61BEF0D-F0BB-DE4B-95CE-6DB70DBA9567}" type="datetimeFigureOut">
               <a:rPr lang="en-US" smtClean="0"/>
               <a:pPr/>
-              <a:t>10/30/2021</a:t>
+              <a:t>11/5/2021</a:t>
             </a:fld>
             <a:endParaRPr lang="en-US" dirty="0"/>
           </a:p>
@@ -2588,7 +2593,7 @@
           <a:lstStyle/>
           <a:p>
             <a:r>
-              <a:rPr lang="en-US" smtClean="0"/>
+              <a:rPr lang="en-US"/>
               <a:t>Click to edit Master title style</a:t>
             </a:r>
             <a:endParaRPr lang="en-US" dirty="0"/>
@@ -2617,35 +2622,35 @@
           <a:p>
             <a:pPr lvl="0"/>
             <a:r>
-              <a:rPr lang="en-US" smtClean="0"/>
+              <a:rPr lang="en-US"/>
               <a:t>Click to edit Master text styles</a:t>
             </a:r>
           </a:p>
           <a:p>
             <a:pPr lvl="1"/>
             <a:r>
-              <a:rPr lang="en-US" smtClean="0"/>
+              <a:rPr lang="en-US"/>
               <a:t>Second level</a:t>
             </a:r>
           </a:p>
           <a:p>
             <a:pPr lvl="2"/>
             <a:r>
-              <a:rPr lang="en-US" smtClean="0"/>
+              <a:rPr lang="en-US"/>
               <a:t>Third level</a:t>
             </a:r>
           </a:p>
           <a:p>
             <a:pPr lvl="3"/>
             <a:r>
-              <a:rPr lang="en-US" smtClean="0"/>
+              <a:rPr lang="en-US"/>
               <a:t>Fourth level</a:t>
             </a:r>
           </a:p>
           <a:p>
             <a:pPr lvl="4"/>
             <a:r>
-              <a:rPr lang="en-US" smtClean="0"/>
+              <a:rPr lang="en-US"/>
               <a:t>Fifth level</a:t>
             </a:r>
             <a:endParaRPr lang="en-US" dirty="0"/>
@@ -2670,7 +2675,7 @@
             <a:fld id="{B61BEF0D-F0BB-DE4B-95CE-6DB70DBA9567}" type="datetimeFigureOut">
               <a:rPr lang="en-US" smtClean="0"/>
               <a:pPr/>
-              <a:t>10/30/2021</a:t>
+              <a:t>11/5/2021</a:t>
             </a:fld>
             <a:endParaRPr lang="en-US" dirty="0"/>
           </a:p>
@@ -2765,7 +2770,7 @@
           <a:lstStyle/>
           <a:p>
             <a:r>
-              <a:rPr lang="en-US" smtClean="0"/>
+              <a:rPr lang="en-US"/>
               <a:t>Click to edit Master title style</a:t>
             </a:r>
             <a:endParaRPr lang="en-US" dirty="0"/>
@@ -2789,35 +2794,35 @@
           <a:p>
             <a:pPr lvl="0"/>
             <a:r>
-              <a:rPr lang="en-US" smtClean="0"/>
+              <a:rPr lang="en-US"/>
               <a:t>Click to edit Master text styles</a:t>
             </a:r>
           </a:p>
           <a:p>
             <a:pPr lvl="1"/>
             <a:r>
-              <a:rPr lang="en-US" smtClean="0"/>
+              <a:rPr lang="en-US"/>
               <a:t>Second level</a:t>
             </a:r>
           </a:p>
           <a:p>
             <a:pPr lvl="2"/>
             <a:r>
-              <a:rPr lang="en-US" smtClean="0"/>
+              <a:rPr lang="en-US"/>
               <a:t>Third level</a:t>
             </a:r>
           </a:p>
           <a:p>
             <a:pPr lvl="3"/>
             <a:r>
-              <a:rPr lang="en-US" smtClean="0"/>
+              <a:rPr lang="en-US"/>
               <a:t>Fourth level</a:t>
             </a:r>
           </a:p>
           <a:p>
             <a:pPr lvl="4"/>
             <a:r>
-              <a:rPr lang="en-US" smtClean="0"/>
+              <a:rPr lang="en-US"/>
               <a:t>Fifth level</a:t>
             </a:r>
             <a:endParaRPr lang="en-US" dirty="0"/>
@@ -2842,7 +2847,7 @@
             <a:fld id="{B61BEF0D-F0BB-DE4B-95CE-6DB70DBA9567}" type="datetimeFigureOut">
               <a:rPr lang="en-US" smtClean="0"/>
               <a:pPr/>
-              <a:t>10/30/2021</a:t>
+              <a:t>11/5/2021</a:t>
             </a:fld>
             <a:endParaRPr lang="en-US" dirty="0"/>
           </a:p>
@@ -2948,7 +2953,7 @@
           </a:lstStyle>
           <a:p>
             <a:r>
-              <a:rPr lang="en-US" smtClean="0"/>
+              <a:rPr lang="en-US"/>
               <a:t>Click to edit Master title style</a:t>
             </a:r>
             <a:endParaRPr lang="en-US" dirty="0"/>
@@ -3070,7 +3075,7 @@
           <a:p>
             <a:pPr lvl="0"/>
             <a:r>
-              <a:rPr lang="en-US" smtClean="0"/>
+              <a:rPr lang="en-US"/>
               <a:t>Click to edit Master text styles</a:t>
             </a:r>
           </a:p>
@@ -3094,7 +3099,7 @@
             <a:fld id="{B61BEF0D-F0BB-DE4B-95CE-6DB70DBA9567}" type="datetimeFigureOut">
               <a:rPr lang="en-US" smtClean="0"/>
               <a:pPr/>
-              <a:t>10/30/2021</a:t>
+              <a:t>11/5/2021</a:t>
             </a:fld>
             <a:endParaRPr lang="en-US" dirty="0"/>
           </a:p>
@@ -3189,7 +3194,7 @@
           <a:lstStyle/>
           <a:p>
             <a:r>
-              <a:rPr lang="en-US" smtClean="0"/>
+              <a:rPr lang="en-US"/>
               <a:t>Click to edit Master title style</a:t>
             </a:r>
             <a:endParaRPr lang="en-US" dirty="0"/>
@@ -3220,35 +3225,35 @@
           <a:p>
             <a:pPr lvl="0"/>
             <a:r>
-              <a:rPr lang="en-US" smtClean="0"/>
+              <a:rPr lang="en-US"/>
               <a:t>Click to edit Master text styles</a:t>
             </a:r>
           </a:p>
           <a:p>
             <a:pPr lvl="1"/>
             <a:r>
-              <a:rPr lang="en-US" smtClean="0"/>
+              <a:rPr lang="en-US"/>
               <a:t>Second level</a:t>
             </a:r>
           </a:p>
           <a:p>
             <a:pPr lvl="2"/>
             <a:r>
-              <a:rPr lang="en-US" smtClean="0"/>
+              <a:rPr lang="en-US"/>
               <a:t>Third level</a:t>
             </a:r>
           </a:p>
           <a:p>
             <a:pPr lvl="3"/>
             <a:r>
-              <a:rPr lang="en-US" smtClean="0"/>
+              <a:rPr lang="en-US"/>
               <a:t>Fourth level</a:t>
             </a:r>
           </a:p>
           <a:p>
             <a:pPr lvl="4"/>
             <a:r>
-              <a:rPr lang="en-US" smtClean="0"/>
+              <a:rPr lang="en-US"/>
               <a:t>Fifth level</a:t>
             </a:r>
             <a:endParaRPr lang="en-US" dirty="0"/>
@@ -3279,35 +3284,35 @@
           <a:p>
             <a:pPr lvl="0"/>
             <a:r>
-              <a:rPr lang="en-US" smtClean="0"/>
+              <a:rPr lang="en-US"/>
               <a:t>Click to edit Master text styles</a:t>
             </a:r>
           </a:p>
           <a:p>
             <a:pPr lvl="1"/>
             <a:r>
-              <a:rPr lang="en-US" smtClean="0"/>
+              <a:rPr lang="en-US"/>
               <a:t>Second level</a:t>
             </a:r>
           </a:p>
           <a:p>
             <a:pPr lvl="2"/>
             <a:r>
-              <a:rPr lang="en-US" smtClean="0"/>
+              <a:rPr lang="en-US"/>
               <a:t>Third level</a:t>
             </a:r>
           </a:p>
           <a:p>
             <a:pPr lvl="3"/>
             <a:r>
-              <a:rPr lang="en-US" smtClean="0"/>
+              <a:rPr lang="en-US"/>
               <a:t>Fourth level</a:t>
             </a:r>
           </a:p>
           <a:p>
             <a:pPr lvl="4"/>
             <a:r>
-              <a:rPr lang="en-US" smtClean="0"/>
+              <a:rPr lang="en-US"/>
               <a:t>Fifth level</a:t>
             </a:r>
             <a:endParaRPr lang="en-US" dirty="0"/>
@@ -3332,7 +3337,7 @@
             <a:fld id="{B61BEF0D-F0BB-DE4B-95CE-6DB70DBA9567}" type="datetimeFigureOut">
               <a:rPr lang="en-US" smtClean="0"/>
               <a:pPr/>
-              <a:t>10/30/2021</a:t>
+              <a:t>11/5/2021</a:t>
             </a:fld>
             <a:endParaRPr lang="en-US" dirty="0"/>
           </a:p>
@@ -3431,7 +3436,7 @@
           </a:lstStyle>
           <a:p>
             <a:r>
-              <a:rPr lang="en-US" smtClean="0"/>
+              <a:rPr lang="en-US"/>
               <a:t>Click to edit Master title style</a:t>
             </a:r>
             <a:endParaRPr lang="en-US" dirty="0"/>
@@ -3503,7 +3508,7 @@
           <a:p>
             <a:pPr lvl="0"/>
             <a:r>
-              <a:rPr lang="en-US" smtClean="0"/>
+              <a:rPr lang="en-US"/>
               <a:t>Click to edit Master text styles</a:t>
             </a:r>
           </a:p>
@@ -3533,35 +3538,35 @@
           <a:p>
             <a:pPr lvl="0"/>
             <a:r>
-              <a:rPr lang="en-US" smtClean="0"/>
+              <a:rPr lang="en-US"/>
               <a:t>Click to edit Master text styles</a:t>
             </a:r>
           </a:p>
           <a:p>
             <a:pPr lvl="1"/>
             <a:r>
-              <a:rPr lang="en-US" smtClean="0"/>
+              <a:rPr lang="en-US"/>
               <a:t>Second level</a:t>
             </a:r>
           </a:p>
           <a:p>
             <a:pPr lvl="2"/>
             <a:r>
-              <a:rPr lang="en-US" smtClean="0"/>
+              <a:rPr lang="en-US"/>
               <a:t>Third level</a:t>
             </a:r>
           </a:p>
           <a:p>
             <a:pPr lvl="3"/>
             <a:r>
-              <a:rPr lang="en-US" smtClean="0"/>
+              <a:rPr lang="en-US"/>
               <a:t>Fourth level</a:t>
             </a:r>
           </a:p>
           <a:p>
             <a:pPr lvl="4"/>
             <a:r>
-              <a:rPr lang="en-US" smtClean="0"/>
+              <a:rPr lang="en-US"/>
               <a:t>Fifth level</a:t>
             </a:r>
             <a:endParaRPr lang="en-US" dirty="0"/>
@@ -3633,7 +3638,7 @@
           <a:p>
             <a:pPr lvl="0"/>
             <a:r>
-              <a:rPr lang="en-US" smtClean="0"/>
+              <a:rPr lang="en-US"/>
               <a:t>Click to edit Master text styles</a:t>
             </a:r>
           </a:p>
@@ -3663,35 +3668,35 @@
           <a:p>
             <a:pPr lvl="0"/>
             <a:r>
-              <a:rPr lang="en-US" smtClean="0"/>
+              <a:rPr lang="en-US"/>
               <a:t>Click to edit Master text styles</a:t>
             </a:r>
           </a:p>
           <a:p>
             <a:pPr lvl="1"/>
             <a:r>
-              <a:rPr lang="en-US" smtClean="0"/>
+              <a:rPr lang="en-US"/>
               <a:t>Second level</a:t>
             </a:r>
           </a:p>
           <a:p>
             <a:pPr lvl="2"/>
             <a:r>
-              <a:rPr lang="en-US" smtClean="0"/>
+              <a:rPr lang="en-US"/>
               <a:t>Third level</a:t>
             </a:r>
           </a:p>
           <a:p>
             <a:pPr lvl="3"/>
             <a:r>
-              <a:rPr lang="en-US" smtClean="0"/>
+              <a:rPr lang="en-US"/>
               <a:t>Fourth level</a:t>
             </a:r>
           </a:p>
           <a:p>
             <a:pPr lvl="4"/>
             <a:r>
-              <a:rPr lang="en-US" smtClean="0"/>
+              <a:rPr lang="en-US"/>
               <a:t>Fifth level</a:t>
             </a:r>
             <a:endParaRPr lang="en-US" dirty="0"/>
@@ -3716,7 +3721,7 @@
             <a:fld id="{B61BEF0D-F0BB-DE4B-95CE-6DB70DBA9567}" type="datetimeFigureOut">
               <a:rPr lang="en-US" smtClean="0"/>
               <a:pPr/>
-              <a:t>10/30/2021</a:t>
+              <a:t>11/5/2021</a:t>
             </a:fld>
             <a:endParaRPr lang="en-US" dirty="0"/>
           </a:p>
@@ -3811,7 +3816,7 @@
           <a:lstStyle/>
           <a:p>
             <a:r>
-              <a:rPr lang="en-US" smtClean="0"/>
+              <a:rPr lang="en-US"/>
               <a:t>Click to edit Master title style</a:t>
             </a:r>
             <a:endParaRPr lang="en-US" dirty="0"/>
@@ -3836,7 +3841,7 @@
             <a:fld id="{B61BEF0D-F0BB-DE4B-95CE-6DB70DBA9567}" type="datetimeFigureOut">
               <a:rPr lang="en-US" smtClean="0"/>
               <a:pPr/>
-              <a:t>10/30/2021</a:t>
+              <a:t>11/5/2021</a:t>
             </a:fld>
             <a:endParaRPr lang="en-US" dirty="0"/>
           </a:p>
@@ -3933,7 +3938,7 @@
             <a:fld id="{B61BEF0D-F0BB-DE4B-95CE-6DB70DBA9567}" type="datetimeFigureOut">
               <a:rPr lang="en-US" smtClean="0"/>
               <a:pPr/>
-              <a:t>10/30/2021</a:t>
+              <a:t>11/5/2021</a:t>
             </a:fld>
             <a:endParaRPr lang="en-US" dirty="0"/>
           </a:p>
@@ -4039,7 +4044,7 @@
           </a:lstStyle>
           <a:p>
             <a:r>
-              <a:rPr lang="en-US" smtClean="0"/>
+              <a:rPr lang="en-US"/>
               <a:t>Click to edit Master title style</a:t>
             </a:r>
             <a:endParaRPr lang="en-US" dirty="0"/>
@@ -4070,35 +4075,35 @@
           <a:p>
             <a:pPr lvl="0"/>
             <a:r>
-              <a:rPr lang="en-US" smtClean="0"/>
+              <a:rPr lang="en-US"/>
               <a:t>Click to edit Master text styles</a:t>
             </a:r>
           </a:p>
           <a:p>
             <a:pPr lvl="1"/>
             <a:r>
-              <a:rPr lang="en-US" smtClean="0"/>
+              <a:rPr lang="en-US"/>
               <a:t>Second level</a:t>
             </a:r>
           </a:p>
           <a:p>
             <a:pPr lvl="2"/>
             <a:r>
-              <a:rPr lang="en-US" smtClean="0"/>
+              <a:rPr lang="en-US"/>
               <a:t>Third level</a:t>
             </a:r>
           </a:p>
           <a:p>
             <a:pPr lvl="3"/>
             <a:r>
-              <a:rPr lang="en-US" smtClean="0"/>
+              <a:rPr lang="en-US"/>
               <a:t>Fourth level</a:t>
             </a:r>
           </a:p>
           <a:p>
             <a:pPr lvl="4"/>
             <a:r>
-              <a:rPr lang="en-US" smtClean="0"/>
+              <a:rPr lang="en-US"/>
               <a:t>Fifth level</a:t>
             </a:r>
             <a:endParaRPr lang="en-US" dirty="0"/>
@@ -4166,7 +4171,7 @@
           <a:p>
             <a:pPr lvl="0"/>
             <a:r>
-              <a:rPr lang="en-US" smtClean="0"/>
+              <a:rPr lang="en-US"/>
               <a:t>Click to edit Master text styles</a:t>
             </a:r>
           </a:p>
@@ -4190,7 +4195,7 @@
             <a:fld id="{B61BEF0D-F0BB-DE4B-95CE-6DB70DBA9567}" type="datetimeFigureOut">
               <a:rPr lang="en-US" smtClean="0"/>
               <a:pPr/>
-              <a:t>10/30/2021</a:t>
+              <a:t>11/5/2021</a:t>
             </a:fld>
             <a:endParaRPr lang="en-US" dirty="0"/>
           </a:p>
@@ -4296,7 +4301,7 @@
           </a:lstStyle>
           <a:p>
             <a:r>
-              <a:rPr lang="en-US" smtClean="0"/>
+              <a:rPr lang="en-US"/>
               <a:t>Click to edit Master title style</a:t>
             </a:r>
             <a:endParaRPr lang="en-US" dirty="0"/>
@@ -4383,7 +4388,7 @@
           </a:lstStyle>
           <a:p>
             <a:r>
-              <a:rPr lang="en-US" smtClean="0"/>
+              <a:rPr lang="en-US"/>
               <a:t>Click icon to add picture</a:t>
             </a:r>
             <a:endParaRPr lang="en-US" dirty="0"/>
@@ -4451,7 +4456,7 @@
           <a:p>
             <a:pPr lvl="0"/>
             <a:r>
-              <a:rPr lang="en-US" smtClean="0"/>
+              <a:rPr lang="en-US"/>
               <a:t>Click to edit Master text styles</a:t>
             </a:r>
           </a:p>
@@ -4475,7 +4480,7 @@
             <a:fld id="{B61BEF0D-F0BB-DE4B-95CE-6DB70DBA9567}" type="datetimeFigureOut">
               <a:rPr lang="en-US" smtClean="0"/>
               <a:pPr/>
-              <a:t>10/30/2021</a:t>
+              <a:t>11/5/2021</a:t>
             </a:fld>
             <a:endParaRPr lang="en-US" dirty="0"/>
           </a:p>
@@ -4776,7 +4781,7 @@
           <a:lstStyle/>
           <a:p>
             <a:r>
-              <a:rPr lang="en-US" smtClean="0"/>
+              <a:rPr lang="en-US"/>
               <a:t>Click to edit Master title style</a:t>
             </a:r>
             <a:endParaRPr lang="en-US" dirty="0"/>
@@ -4810,35 +4815,35 @@
           <a:p>
             <a:pPr lvl="0"/>
             <a:r>
-              <a:rPr lang="en-US" smtClean="0"/>
+              <a:rPr lang="en-US"/>
               <a:t>Click to edit Master text styles</a:t>
             </a:r>
           </a:p>
           <a:p>
             <a:pPr lvl="1"/>
             <a:r>
-              <a:rPr lang="en-US" smtClean="0"/>
+              <a:rPr lang="en-US"/>
               <a:t>Second level</a:t>
             </a:r>
           </a:p>
           <a:p>
             <a:pPr lvl="2"/>
             <a:r>
-              <a:rPr lang="en-US" smtClean="0"/>
+              <a:rPr lang="en-US"/>
               <a:t>Third level</a:t>
             </a:r>
           </a:p>
           <a:p>
             <a:pPr lvl="3"/>
             <a:r>
-              <a:rPr lang="en-US" smtClean="0"/>
+              <a:rPr lang="en-US"/>
               <a:t>Fourth level</a:t>
             </a:r>
           </a:p>
           <a:p>
             <a:pPr lvl="4"/>
             <a:r>
-              <a:rPr lang="en-US" smtClean="0"/>
+              <a:rPr lang="en-US"/>
               <a:t>Fifth level</a:t>
             </a:r>
             <a:endParaRPr lang="en-US" dirty="0"/>
@@ -4883,7 +4888,7 @@
             <a:fld id="{B61BEF0D-F0BB-DE4B-95CE-6DB70DBA9567}" type="datetimeFigureOut">
               <a:rPr lang="en-US" smtClean="0"/>
               <a:pPr/>
-              <a:t>10/30/2021</a:t>
+              <a:t>11/5/2021</a:t>
             </a:fld>
             <a:endParaRPr lang="en-US" dirty="0"/>
           </a:p>
@@ -5440,10 +5445,9 @@
           <a:lstStyle/>
           <a:p>
             <a:r>
-              <a:rPr lang="en-US" dirty="0" smtClean="0"/>
+              <a:rPr lang="en-US" dirty="0"/>
               <a:t>Exploratory data analysis</a:t>
             </a:r>
-            <a:endParaRPr lang="en-US" dirty="0"/>
           </a:p>
         </p:txBody>
       </p:sp>
@@ -5468,7 +5472,7 @@
           <a:lstStyle/>
           <a:p>
             <a:r>
-              <a:rPr lang="en-US" dirty="0" smtClean="0">
+              <a:rPr lang="en-US" dirty="0">
                 <a:solidFill>
                   <a:schemeClr val="bg1"/>
                 </a:solidFill>
@@ -5478,10 +5482,9 @@
           </a:p>
           <a:p>
             <a:r>
-              <a:rPr lang="en-US" dirty="0" smtClean="0"/>
+              <a:rPr lang="en-US" dirty="0"/>
               <a:t>Group 3</a:t>
             </a:r>
-            <a:endParaRPr lang="en-US" dirty="0"/>
           </a:p>
         </p:txBody>
       </p:sp>
@@ -5509,7 +5512,7 @@
           <a:p>
             <a:pPr algn="r"/>
             <a:r>
-              <a:rPr lang="en-US" sz="6000" dirty="0" err="1" smtClean="0">
+              <a:rPr lang="en-US" sz="6000" dirty="0" err="1">
                 <a:effectLst>
                   <a:outerShdw blurRad="38100" dist="38100" dir="2700000" algn="tl">
                     <a:srgbClr val="000000">
@@ -5521,7 +5524,7 @@
               <a:t>DigiCAP</a:t>
             </a:r>
             <a:r>
-              <a:rPr lang="en-US" sz="6000" dirty="0" smtClean="0">
+              <a:rPr lang="en-US" sz="6000" dirty="0">
                 <a:effectLst>
                   <a:outerShdw blurRad="38100" dist="38100" dir="2700000" algn="tl">
                     <a:srgbClr val="000000">
@@ -5532,15 +5535,6 @@
               </a:rPr>
               <a:t> UCC</a:t>
             </a:r>
-            <a:endParaRPr lang="en-US" sz="6000" dirty="0">
-              <a:effectLst>
-                <a:outerShdw blurRad="38100" dist="38100" dir="2700000" algn="tl">
-                  <a:srgbClr val="000000">
-                    <a:alpha val="43137"/>
-                  </a:srgbClr>
-                </a:outerShdw>
-              </a:effectLst>
-            </a:endParaRPr>
           </a:p>
         </p:txBody>
       </p:sp>
@@ -5652,13 +5646,8 @@
           <a:p>
             <a:r>
               <a:rPr lang="en-US" dirty="0"/>
-              <a:t>What race was prevalently </a:t>
-            </a:r>
-            <a:r>
-              <a:rPr lang="en-US" dirty="0"/>
-              <a:t>killed/shot</a:t>
-            </a:r>
-            <a:endParaRPr lang="en-US" dirty="0"/>
+              <a:t>What race was prevalently killed/shot</a:t>
+            </a:r>
           </a:p>
         </p:txBody>
       </p:sp>
@@ -5946,15 +5935,6 @@
               </a:rPr>
               <a:t>INSIGHTS</a:t>
             </a:r>
-            <a:endParaRPr lang="en-US" sz="7200" dirty="0">
-              <a:effectLst>
-                <a:outerShdw blurRad="38100" dist="38100" dir="2700000" algn="tl">
-                  <a:srgbClr val="000000">
-                    <a:alpha val="43137"/>
-                  </a:srgbClr>
-                </a:outerShdw>
-              </a:effectLst>
-            </a:endParaRPr>
           </a:p>
         </p:txBody>
       </p:sp>
@@ -6039,7 +6019,7 @@
               <a:buChar char="q"/>
             </a:pPr>
             <a:r>
-              <a:rPr lang="en-US" sz="2800" dirty="0" smtClean="0">
+              <a:rPr lang="en-US" sz="2800" dirty="0">
                 <a:solidFill>
                   <a:schemeClr val="bg1"/>
                 </a:solidFill>
@@ -6053,7 +6033,7 @@
               <a:buChar char="o"/>
             </a:pPr>
             <a:r>
-              <a:rPr lang="en-US" sz="2400" dirty="0" smtClean="0">
+              <a:rPr lang="en-US" sz="2400" dirty="0">
                 <a:solidFill>
                   <a:schemeClr val="bg1"/>
                 </a:solidFill>
@@ -6067,7 +6047,7 @@
               <a:buChar char="o"/>
             </a:pPr>
             <a:r>
-              <a:rPr lang="en-US" sz="2400" dirty="0" smtClean="0">
+              <a:rPr lang="en-US" sz="2400" dirty="0">
                 <a:solidFill>
                   <a:schemeClr val="bg1"/>
                 </a:solidFill>
@@ -6081,18 +6061,13 @@
               <a:buChar char="o"/>
             </a:pPr>
             <a:r>
-              <a:rPr lang="en-US" sz="2400" dirty="0" smtClean="0">
+              <a:rPr lang="en-US" sz="2400" dirty="0">
                 <a:solidFill>
                   <a:schemeClr val="bg1"/>
                 </a:solidFill>
               </a:rPr>
               <a:t>Were their body cameras working hours, days prior to the incident?</a:t>
             </a:r>
-            <a:endParaRPr lang="en-US" sz="2400" dirty="0">
-              <a:solidFill>
-                <a:schemeClr val="bg1"/>
-              </a:solidFill>
-            </a:endParaRPr>
           </a:p>
         </p:txBody>
       </p:sp>
@@ -6177,7 +6152,7 @@
               <a:buChar char="q"/>
             </a:pPr>
             <a:r>
-              <a:rPr lang="en-US" sz="2800" dirty="0" smtClean="0">
+              <a:rPr lang="en-US" sz="2800" dirty="0">
                 <a:solidFill>
                   <a:schemeClr val="bg1"/>
                 </a:solidFill>
@@ -6191,7 +6166,7 @@
               <a:buChar char="o"/>
             </a:pPr>
             <a:r>
-              <a:rPr lang="en-US" sz="2400" dirty="0" smtClean="0">
+              <a:rPr lang="en-US" sz="2400" dirty="0">
                 <a:solidFill>
                   <a:schemeClr val="bg1"/>
                 </a:solidFill>
@@ -6205,7 +6180,7 @@
               <a:buChar char="q"/>
             </a:pPr>
             <a:r>
-              <a:rPr lang="en-US" sz="2800" dirty="0" smtClean="0">
+              <a:rPr lang="en-US" sz="2800" dirty="0">
                 <a:solidFill>
                   <a:schemeClr val="bg1"/>
                 </a:solidFill>
@@ -6219,7 +6194,7 @@
               <a:buChar char="o"/>
             </a:pPr>
             <a:r>
-              <a:rPr lang="en-US" sz="2400" dirty="0" smtClean="0">
+              <a:rPr lang="en-US" sz="2400" dirty="0">
                 <a:solidFill>
                   <a:schemeClr val="bg1"/>
                 </a:solidFill>
@@ -6233,7 +6208,7 @@
               <a:buChar char="o"/>
             </a:pPr>
             <a:r>
-              <a:rPr lang="en-US" sz="2400" dirty="0" smtClean="0">
+              <a:rPr lang="en-US" sz="2400" dirty="0">
                 <a:solidFill>
                   <a:schemeClr val="bg1"/>
                 </a:solidFill>
@@ -6247,7 +6222,7 @@
               <a:buChar char="o"/>
             </a:pPr>
             <a:r>
-              <a:rPr lang="en-US" sz="2400" dirty="0" smtClean="0">
+              <a:rPr lang="en-US" sz="2400" dirty="0">
                 <a:solidFill>
                   <a:schemeClr val="bg1"/>
                 </a:solidFill>
@@ -6349,7 +6324,7 @@
               <a:buChar char="q"/>
             </a:pPr>
             <a:r>
-              <a:rPr lang="en-US" sz="2800" dirty="0" smtClean="0">
+              <a:rPr lang="en-US" sz="2800" dirty="0">
                 <a:solidFill>
                   <a:schemeClr val="bg1"/>
                 </a:solidFill>
@@ -6363,7 +6338,7 @@
               <a:buChar char="q"/>
             </a:pPr>
             <a:r>
-              <a:rPr lang="en-US" sz="2800" dirty="0" smtClean="0">
+              <a:rPr lang="en-US" sz="2800" dirty="0">
                 <a:solidFill>
                   <a:schemeClr val="bg1"/>
                 </a:solidFill>
@@ -6377,18 +6352,13 @@
               <a:buChar char="o"/>
             </a:pPr>
             <a:r>
-              <a:rPr lang="en-US" sz="2400" dirty="0" smtClean="0">
+              <a:rPr lang="en-US" sz="2400" dirty="0">
                 <a:solidFill>
                   <a:schemeClr val="bg1"/>
                 </a:solidFill>
               </a:rPr>
               <a:t>What went south?</a:t>
             </a:r>
-            <a:endParaRPr lang="en-US" sz="2400" dirty="0">
-              <a:solidFill>
-                <a:schemeClr val="bg1"/>
-              </a:solidFill>
-            </a:endParaRPr>
           </a:p>
         </p:txBody>
       </p:sp>
@@ -6473,7 +6443,7 @@
               <a:buChar char="q"/>
             </a:pPr>
             <a:r>
-              <a:rPr lang="en-US" sz="2800" dirty="0" smtClean="0">
+              <a:rPr lang="en-US" sz="2800" dirty="0">
                 <a:solidFill>
                   <a:schemeClr val="bg1"/>
                 </a:solidFill>
@@ -6487,18 +6457,13 @@
               <a:buChar char="o"/>
             </a:pPr>
             <a:r>
-              <a:rPr lang="en-US" sz="2400" dirty="0" smtClean="0">
+              <a:rPr lang="en-US" sz="2400" dirty="0">
                 <a:solidFill>
                   <a:schemeClr val="bg1"/>
                 </a:solidFill>
               </a:rPr>
               <a:t>Does this point to the long existing strife between the latter and the former?</a:t>
             </a:r>
-            <a:endParaRPr lang="en-US" sz="2400" dirty="0">
-              <a:solidFill>
-                <a:schemeClr val="bg1"/>
-              </a:solidFill>
-            </a:endParaRPr>
           </a:p>
         </p:txBody>
       </p:sp>
@@ -6553,10 +6518,9 @@
           <a:lstStyle/>
           <a:p>
             <a:r>
-              <a:rPr lang="en-US" dirty="0" smtClean="0"/>
+              <a:rPr lang="en-US" dirty="0"/>
               <a:t>HYPOTHESIS</a:t>
             </a:r>
-            <a:endParaRPr lang="en-US" dirty="0"/>
           </a:p>
         </p:txBody>
       </p:sp>
@@ -6583,18 +6547,13 @@
           <a:lstStyle/>
           <a:p>
             <a:r>
-              <a:rPr lang="en-US" sz="2400" dirty="0" smtClean="0">
+              <a:rPr lang="en-US" sz="2400" dirty="0">
                 <a:solidFill>
                   <a:schemeClr val="bg1"/>
                 </a:solidFill>
               </a:rPr>
               <a:t>The police shooting were all acts of racism</a:t>
             </a:r>
-            <a:endParaRPr lang="en-US" sz="2400" dirty="0">
-              <a:solidFill>
-                <a:schemeClr val="bg1"/>
-              </a:solidFill>
-            </a:endParaRPr>
           </a:p>
         </p:txBody>
       </p:sp>
@@ -6679,7 +6638,7 @@
               <a:buChar char="q"/>
             </a:pPr>
             <a:r>
-              <a:rPr lang="en-US" sz="2800" dirty="0" smtClean="0">
+              <a:rPr lang="en-US" sz="2800" dirty="0">
                 <a:solidFill>
                   <a:schemeClr val="bg1"/>
                 </a:solidFill>
@@ -6693,18 +6652,13 @@
               <a:buChar char="o"/>
             </a:pPr>
             <a:r>
-              <a:rPr lang="en-US" sz="2400" dirty="0" smtClean="0">
+              <a:rPr lang="en-US" sz="2400" dirty="0">
                 <a:solidFill>
                   <a:schemeClr val="bg1"/>
                 </a:solidFill>
               </a:rPr>
               <a:t>Does this suggest that the male gender is more susceptible to physical violence?</a:t>
             </a:r>
-            <a:endParaRPr lang="en-US" sz="2400" dirty="0">
-              <a:solidFill>
-                <a:schemeClr val="bg1"/>
-              </a:solidFill>
-            </a:endParaRPr>
           </a:p>
         </p:txBody>
       </p:sp>
@@ -6759,10 +6713,9 @@
           <a:lstStyle/>
           <a:p>
             <a:r>
-              <a:rPr lang="en-US" dirty="0" smtClean="0"/>
-              <a:t>SUMMARY</a:t>
-            </a:r>
-            <a:endParaRPr lang="en-US" dirty="0"/>
+              <a:rPr lang="en-US" dirty="0"/>
+              <a:t>CONCLUSION</a:t>
+            </a:r>
           </a:p>
         </p:txBody>
       </p:sp>
@@ -6793,18 +6746,29 @@
               <a:buChar char="q"/>
             </a:pPr>
             <a:r>
-              <a:rPr lang="en-US" sz="2400" dirty="0" smtClean="0">
+              <a:rPr lang="en-US" sz="2400" dirty="0">
                 <a:solidFill>
                   <a:schemeClr val="bg1"/>
                 </a:solidFill>
               </a:rPr>
-              <a:t>These among other insights from the data point to the huge  possibility of racism being the underlying cause of these shootings or killings</a:t>
-            </a:r>
-            <a:endParaRPr lang="en-US" sz="2400" dirty="0">
-              <a:solidFill>
-                <a:schemeClr val="bg1"/>
-              </a:solidFill>
-            </a:endParaRPr>
+              <a:t>Based on the dataset given and the </a:t>
+            </a:r>
+            <a:r>
+              <a:rPr lang="en-US" sz="2400" dirty="0" err="1">
+                <a:solidFill>
+                  <a:schemeClr val="bg1"/>
+                </a:solidFill>
+              </a:rPr>
+              <a:t>visualisations</a:t>
+            </a:r>
+            <a:r>
+              <a:rPr lang="en-US" sz="2400" dirty="0">
+                <a:solidFill>
+                  <a:schemeClr val="bg1"/>
+                </a:solidFill>
+              </a:rPr>
+              <a:t> we drew out of it, we saw for a fact that the shootings or killings were not acts of racism. This is because most of the victims were Whites.</a:t>
+            </a:r>
           </a:p>
         </p:txBody>
       </p:sp>
@@ -6859,10 +6823,9 @@
           <a:lstStyle/>
           <a:p>
             <a:r>
-              <a:rPr lang="en-US" dirty="0" smtClean="0"/>
+              <a:rPr lang="en-US" dirty="0"/>
               <a:t>QUESTIONS</a:t>
             </a:r>
-            <a:endParaRPr lang="en-US" dirty="0"/>
           </a:p>
         </p:txBody>
       </p:sp>
@@ -6896,7 +6859,7 @@
               <a:buChar char="q"/>
             </a:pPr>
             <a:r>
-              <a:rPr lang="en-US" sz="2400" dirty="0" smtClean="0">
+              <a:rPr lang="en-US" sz="2400" dirty="0">
                 <a:solidFill>
                   <a:schemeClr val="bg1"/>
                 </a:solidFill>
@@ -6913,7 +6876,7 @@
               <a:buChar char="q"/>
             </a:pPr>
             <a:r>
-              <a:rPr lang="en-US" sz="2400" dirty="0" smtClean="0">
+              <a:rPr lang="en-US" sz="2400" dirty="0">
                 <a:solidFill>
                   <a:schemeClr val="bg1"/>
                 </a:solidFill>
@@ -6930,7 +6893,7 @@
               <a:buChar char="q"/>
             </a:pPr>
             <a:r>
-              <a:rPr lang="en-US" sz="2400" dirty="0" smtClean="0">
+              <a:rPr lang="en-US" sz="2400" dirty="0">
                 <a:solidFill>
                   <a:schemeClr val="bg1"/>
                 </a:solidFill>
@@ -6947,7 +6910,7 @@
               <a:buChar char="q"/>
             </a:pPr>
             <a:r>
-              <a:rPr lang="en-US" sz="2400" dirty="0" smtClean="0">
+              <a:rPr lang="en-US" sz="2400" dirty="0">
                 <a:solidFill>
                   <a:schemeClr val="bg1"/>
                 </a:solidFill>
@@ -6964,18 +6927,13 @@
               <a:buChar char="q"/>
             </a:pPr>
             <a:r>
-              <a:rPr lang="en-US" sz="2400" dirty="0" smtClean="0">
+              <a:rPr lang="en-US" sz="2400" dirty="0">
                 <a:solidFill>
                   <a:schemeClr val="bg1"/>
                 </a:solidFill>
               </a:rPr>
               <a:t>What gender was prevalently shot/killed</a:t>
             </a:r>
-            <a:endParaRPr lang="en-US" sz="2400" dirty="0">
-              <a:solidFill>
-                <a:schemeClr val="bg1"/>
-              </a:solidFill>
-            </a:endParaRPr>
           </a:p>
         </p:txBody>
       </p:sp>
@@ -7033,7 +6991,7 @@
           <a:p>
             <a:pPr algn="ctr"/>
             <a:r>
-              <a:rPr lang="en-US" sz="7200" dirty="0" smtClean="0">
+              <a:rPr lang="en-US" sz="7200" dirty="0">
                 <a:effectLst>
                   <a:outerShdw blurRad="38100" dist="38100" dir="2700000" algn="tl">
                     <a:srgbClr val="000000">
@@ -7044,15 +7002,6 @@
               </a:rPr>
               <a:t>VISUALISATIONs</a:t>
             </a:r>
-            <a:endParaRPr lang="en-US" sz="7200" dirty="0">
-              <a:effectLst>
-                <a:outerShdw blurRad="38100" dist="38100" dir="2700000" algn="tl">
-                  <a:srgbClr val="000000">
-                    <a:alpha val="43137"/>
-                  </a:srgbClr>
-                </a:outerShdw>
-              </a:effectLst>
-            </a:endParaRPr>
           </a:p>
         </p:txBody>
       </p:sp>
@@ -7112,7 +7061,6 @@
               <a:rPr lang="en-US" dirty="0"/>
               <a:t>Whether or not the policeman had body camera</a:t>
             </a:r>
-            <a:endParaRPr lang="en-US" dirty="0"/>
           </a:p>
         </p:txBody>
       </p:sp>
@@ -7250,13 +7198,8 @@
           <a:p>
             <a:r>
               <a:rPr lang="en-US" dirty="0"/>
-              <a:t>What type of ammunition was mostly </a:t>
-            </a:r>
-            <a:r>
-              <a:rPr lang="en-US" dirty="0"/>
-              <a:t>used</a:t>
-            </a:r>
-            <a:endParaRPr lang="en-US" dirty="0"/>
+              <a:t>What type of ammunition was mostly used</a:t>
+            </a:r>
           </a:p>
         </p:txBody>
       </p:sp>
@@ -7394,13 +7337,8 @@
           <a:p>
             <a:r>
               <a:rPr lang="en-US" dirty="0"/>
-              <a:t>Whether or not victims showed signs of mental </a:t>
-            </a:r>
-            <a:r>
-              <a:rPr lang="en-US" dirty="0"/>
-              <a:t>illness</a:t>
-            </a:r>
-            <a:endParaRPr lang="en-US" dirty="0"/>
+              <a:t>Whether or not victims showed signs of mental illness</a:t>
+            </a:r>
           </a:p>
         </p:txBody>
       </p:sp>
